--- a/Muster.pptx
+++ b/Muster.pptx
@@ -106,6 +106,11 @@
       </a:defRPr>
     </a:lvl9pPr>
   </p:defaultTextStyle>
+  <p:extLst>
+    <p:ext uri="{EFAFB233-063F-42B5-8137-9DF3F51BA10A}">
+      <p15:sldGuideLst xmlns:p15="http://schemas.microsoft.com/office/powerpoint/2012/main"/>
+    </p:ext>
+  </p:extLst>
 </p:presentation>
 </file>
 
@@ -4906,7 +4911,7 @@
         <p:spPr>
           <a:xfrm>
             <a:off x="5758049" y="4660466"/>
-            <a:ext cx="2764796" cy="1754326"/>
+            <a:ext cx="5203476" cy="2031325"/>
           </a:xfrm>
           <a:prstGeom prst="rect">
             <a:avLst/>
@@ -4956,9 +4961,27 @@
             <a:endParaRPr lang="en-GB" dirty="0"/>
           </a:p>
           <a:p>
+            <a:pPr marL="285750" indent="-285750">
+              <a:buFontTx/>
+              <a:buChar char="-"/>
+            </a:pPr>
             <a:r>
               <a:rPr lang="en-GB" dirty="0"/>
-              <a:t>- 5 minute timeout reached</a:t>
+              <a:t>5 minute timeout reached </a:t>
+            </a:r>
+          </a:p>
+          <a:p>
+            <a:r>
+              <a:rPr lang="en-GB" dirty="0"/>
+              <a:t>	</a:t>
+            </a:r>
+            <a:r>
+              <a:rPr lang="en-GB" dirty="0">
+                <a:solidFill>
+                  <a:srgbClr val="00B050"/>
+                </a:solidFill>
+              </a:rPr>
+              <a:t>-&gt; everyone asked to click “Join band” again</a:t>
             </a:r>
           </a:p>
         </p:txBody>
@@ -5363,9 +5386,9 @@
         <p:grpSpPr>
           <a:xfrm>
             <a:off x="6361953" y="5413666"/>
-            <a:ext cx="2294021" cy="692885"/>
+            <a:ext cx="2294021" cy="646331"/>
             <a:chOff x="721240" y="-251957"/>
-            <a:chExt cx="2294021" cy="692885"/>
+            <a:chExt cx="2294021" cy="646331"/>
           </a:xfrm>
         </p:grpSpPr>
         <p:cxnSp>
@@ -5377,13 +5400,15 @@
                 </a:ext>
               </a:extLst>
             </p:cNvPr>
-            <p:cNvCxnSpPr/>
+            <p:cNvCxnSpPr>
+              <a:cxnSpLocks/>
+            </p:cNvCxnSpPr>
             <p:nvPr/>
           </p:nvCxnSpPr>
           <p:spPr>
             <a:xfrm>
               <a:off x="721240" y="23833"/>
-              <a:ext cx="2294021" cy="417095"/>
+              <a:ext cx="2212552" cy="215600"/>
             </a:xfrm>
             <a:prstGeom prst="straightConnector1">
               <a:avLst/>
@@ -5547,6 +5572,47 @@
             <a:r>
               <a:rPr lang="en-GB" dirty="0"/>
               <a:t>Band ID shared independently of Muster</a:t>
+            </a:r>
+          </a:p>
+        </p:txBody>
+      </p:sp>
+      <p:sp>
+        <p:nvSpPr>
+          <p:cNvPr id="6" name="TextBox 5">
+            <a:extLst>
+              <a:ext uri="{FF2B5EF4-FFF2-40B4-BE49-F238E27FC236}">
+                <a16:creationId xmlns:a16="http://schemas.microsoft.com/office/drawing/2014/main" id="{D28C3F6A-EBE7-440B-9A56-F761C6CE754D}"/>
+              </a:ext>
+            </a:extLst>
+          </p:cNvPr>
+          <p:cNvSpPr txBox="1"/>
+          <p:nvPr/>
+        </p:nvSpPr>
+        <p:spPr>
+          <a:xfrm>
+            <a:off x="8221579" y="86585"/>
+            <a:ext cx="3749805" cy="1200329"/>
+          </a:xfrm>
+          <a:prstGeom prst="rect">
+            <a:avLst/>
+          </a:prstGeom>
+          <a:noFill/>
+        </p:spPr>
+        <p:txBody>
+          <a:bodyPr wrap="square" rtlCol="0">
+            <a:spAutoFit/>
+          </a:bodyPr>
+          <a:lstStyle/>
+          <a:p>
+            <a:r>
+              <a:rPr lang="en-GB" b="1" dirty="0"/>
+              <a:t>This diagram only shows the HTTP communication with the server.</a:t>
+            </a:r>
+          </a:p>
+          <a:p>
+            <a:r>
+              <a:rPr lang="en-GB" b="1" dirty="0"/>
+              <a:t>The UDP communication described in the comments happens in parallel.</a:t>
             </a:r>
           </a:p>
         </p:txBody>
@@ -6332,6 +6398,9 @@
             </a:avLst>
           </a:prstGeom>
           <a:ln>
+            <a:solidFill>
+              <a:schemeClr val="tx1"/>
+            </a:solidFill>
             <a:headEnd type="none"/>
             <a:tailEnd type="triangle"/>
           </a:ln>
@@ -6418,6 +6487,9 @@
             </a:avLst>
           </a:prstGeom>
           <a:ln>
+            <a:solidFill>
+              <a:schemeClr val="tx1"/>
+            </a:solidFill>
             <a:tailEnd type="triangle"/>
           </a:ln>
         </p:spPr>
@@ -6458,7 +6530,7 @@
         </p:nvSpPr>
         <p:spPr>
           <a:xfrm>
-            <a:off x="3231953" y="341338"/>
+            <a:off x="3152707" y="339889"/>
             <a:ext cx="2000612" cy="369332"/>
           </a:xfrm>
           <a:prstGeom prst="rect">
@@ -8017,6 +8089,9 @@
             </a:avLst>
           </a:prstGeom>
           <a:ln>
+            <a:solidFill>
+              <a:schemeClr val="tx1"/>
+            </a:solidFill>
             <a:tailEnd type="triangle"/>
           </a:ln>
         </p:spPr>
@@ -8102,6 +8177,9 @@
             </a:avLst>
           </a:prstGeom>
           <a:ln>
+            <a:solidFill>
+              <a:schemeClr val="tx1"/>
+            </a:solidFill>
             <a:tailEnd type="triangle"/>
           </a:ln>
         </p:spPr>
@@ -8242,6 +8320,9 @@
             </a:avLst>
           </a:prstGeom>
           <a:ln>
+            <a:solidFill>
+              <a:schemeClr val="tx1"/>
+            </a:solidFill>
             <a:tailEnd type="triangle"/>
           </a:ln>
         </p:spPr>
@@ -8362,6 +8443,9 @@
             </a:avLst>
           </a:prstGeom>
           <a:ln>
+            <a:solidFill>
+              <a:schemeClr val="tx1"/>
+            </a:solidFill>
             <a:tailEnd type="triangle"/>
           </a:ln>
         </p:spPr>
@@ -8412,6 +8496,9 @@
             </a:avLst>
           </a:prstGeom>
           <a:ln>
+            <a:solidFill>
+              <a:schemeClr val="tx1"/>
+            </a:solidFill>
             <a:tailEnd type="triangle"/>
           </a:ln>
         </p:spPr>
@@ -8538,6 +8625,9 @@
             </a:avLst>
           </a:prstGeom>
           <a:ln>
+            <a:solidFill>
+              <a:schemeClr val="tx1"/>
+            </a:solidFill>
             <a:tailEnd type="triangle"/>
           </a:ln>
         </p:spPr>
@@ -8958,6 +9048,9 @@
             </a:avLst>
           </a:prstGeom>
           <a:ln>
+            <a:solidFill>
+              <a:schemeClr val="tx1"/>
+            </a:solidFill>
             <a:tailEnd type="triangle"/>
           </a:ln>
         </p:spPr>
@@ -9168,6 +9261,59 @@
               <a:rPr lang="en-GB" dirty="0"/>
               <a:t>On clicking “Leave band”</a:t>
             </a:r>
+          </a:p>
+        </p:txBody>
+      </p:sp>
+      <p:sp>
+        <p:nvSpPr>
+          <p:cNvPr id="37" name="Arc 36">
+            <a:extLst>
+              <a:ext uri="{FF2B5EF4-FFF2-40B4-BE49-F238E27FC236}">
+                <a16:creationId xmlns:a16="http://schemas.microsoft.com/office/drawing/2014/main" id="{4AF50FFD-5C34-4AB4-BB06-BEAA76B11B67}"/>
+              </a:ext>
+            </a:extLst>
+          </p:cNvPr>
+          <p:cNvSpPr/>
+          <p:nvPr/>
+        </p:nvSpPr>
+        <p:spPr>
+          <a:xfrm flipH="1">
+            <a:off x="4904606" y="2511338"/>
+            <a:ext cx="755497" cy="369332"/>
+          </a:xfrm>
+          <a:prstGeom prst="arc">
+            <a:avLst>
+              <a:gd name="adj1" fmla="val 16200000"/>
+              <a:gd name="adj2" fmla="val 5809681"/>
+            </a:avLst>
+          </a:prstGeom>
+          <a:ln>
+            <a:solidFill>
+              <a:schemeClr val="tx1"/>
+            </a:solidFill>
+            <a:tailEnd type="triangle"/>
+          </a:ln>
+        </p:spPr>
+        <p:style>
+          <a:lnRef idx="1">
+            <a:schemeClr val="accent1"/>
+          </a:lnRef>
+          <a:fillRef idx="0">
+            <a:schemeClr val="accent1"/>
+          </a:fillRef>
+          <a:effectRef idx="0">
+            <a:schemeClr val="accent1"/>
+          </a:effectRef>
+          <a:fontRef idx="minor">
+            <a:schemeClr val="tx1"/>
+          </a:fontRef>
+        </p:style>
+        <p:txBody>
+          <a:bodyPr rtlCol="0" anchor="ctr"/>
+          <a:lstStyle/>
+          <a:p>
+            <a:pPr algn="ctr"/>
+            <a:endParaRPr lang="en-GB" dirty="0"/>
           </a:p>
         </p:txBody>
       </p:sp>
